--- a/annexe.pptx
+++ b/annexe.pptx
@@ -10508,7 +10508,19 @@
                 <a:cs typeface="Trebuchet MS"/>
                 <a:sym typeface="Trebuchet MS"/>
               </a:rPr>
-              <a:t>Mohammed Laïdouni</a:t>
+              <a:t>Mohamed</a:t>
+            </a:r>
+            <a:r>
+              <a:rPr lang="en" sz="1100">
+                <a:solidFill>
+                  <a:schemeClr val="dk2"/>
+                </a:solidFill>
+                <a:latin typeface="Trebuchet MS"/>
+                <a:ea typeface="Trebuchet MS"/>
+                <a:cs typeface="Trebuchet MS"/>
+                <a:sym typeface="Trebuchet MS"/>
+              </a:rPr>
+              <a:t> Laïdouni</a:t>
             </a:r>
             <a:endParaRPr sz="1100">
               <a:solidFill>
